--- a/TF-E6/Presentacion/PresentaciónTFv5.pptx
+++ b/TF-E6/Presentacion/PresentaciónTFv5.pptx
@@ -17911,7 +17911,7 @@
                 <a:ea typeface="+mn-ea"/>
                 <a:cs typeface="+mn-cs"/>
               </a:rPr>
-              <a:t> Consiste en un sistema que gestiona conexiones de red coma haciendo de intermediario entre las peticiones de los servidores y los clientes, Añadiendo funciones la autentificación y control de usuarios reglas de filtrado y registro de logs.</a:t>
+              <a:t> Consiste en un sistema que gestiona conexiones de red, haciendo de intermediario entre las peticiones de los servidores y los clientes, Añadiendo funciones la autentificación y control de usuarios reglas de filtrado y registro de logs.</a:t>
             </a:r>
           </a:p>
           <a:p>
@@ -18533,6 +18533,15 @@
               <a:t>Cortafuegos: </a:t>
             </a:r>
             <a:r>
+              <a:rPr lang="es-ES" sz="2000" dirty="0">
+                <a:solidFill>
+                  <a:prstClr val="black"/>
+                </a:solidFill>
+                <a:latin typeface="Calibri" panose="020F0502020204030204"/>
+              </a:rPr>
+              <a:t>S</a:t>
+            </a:r>
+            <a:r>
               <a:rPr kumimoji="0" lang="es-ES" sz="2000" b="0" i="0" u="none" strike="noStrike" kern="1200" cap="none" spc="0" normalizeH="0" baseline="0" noProof="0" dirty="0">
                 <a:ln>
                   <a:noFill/>
@@ -18547,7 +18556,7 @@
                 <a:ea typeface="+mn-ea"/>
                 <a:cs typeface="+mn-cs"/>
               </a:rPr>
-              <a:t>su funcionamiento es igual al del firewall de hardware pero con la diferencia de ser una aplicación.</a:t>
+              <a:t>u funcionamiento es igual al del firewall de hardware pero con la diferencia de ser una aplicación.</a:t>
             </a:r>
           </a:p>
           <a:p>

--- a/TF-E6/Presentacion/PresentaciónTFv5.pptx
+++ b/TF-E6/Presentacion/PresentaciónTFv5.pptx
@@ -10,12 +10,12 @@
     <p:sldId id="300" r:id="rId4"/>
     <p:sldId id="277" r:id="rId5"/>
     <p:sldId id="282" r:id="rId6"/>
-    <p:sldId id="284" r:id="rId7"/>
+    <p:sldId id="301" r:id="rId7"/>
     <p:sldId id="278" r:id="rId8"/>
     <p:sldId id="285" r:id="rId9"/>
-    <p:sldId id="286" r:id="rId10"/>
-    <p:sldId id="287" r:id="rId11"/>
-    <p:sldId id="288" r:id="rId12"/>
+    <p:sldId id="302" r:id="rId10"/>
+    <p:sldId id="303" r:id="rId11"/>
+    <p:sldId id="304" r:id="rId12"/>
     <p:sldId id="279" r:id="rId13"/>
     <p:sldId id="273" r:id="rId14"/>
     <p:sldId id="274" r:id="rId15"/>
@@ -6310,10 +6310,46 @@
           </a:p>
         </p:txBody>
       </p:sp>
+      <p:pic>
+        <p:nvPicPr>
+          <p:cNvPr id="10" name="Imagen 9" descr="Imagen que contiene herramienta&#10;&#10;Descripción generada automáticamente">
+            <a:extLst>
+              <a:ext uri="{FF2B5EF4-FFF2-40B4-BE49-F238E27FC236}">
+                <a16:creationId xmlns:a16="http://schemas.microsoft.com/office/drawing/2014/main" id="{B88DF093-F2AE-4435-9687-7478B7F037C1}"/>
+              </a:ext>
+            </a:extLst>
+          </p:cNvPr>
+          <p:cNvPicPr>
+            <a:picLocks noChangeAspect="1"/>
+          </p:cNvPicPr>
+          <p:nvPr/>
+        </p:nvPicPr>
+        <p:blipFill>
+          <a:blip r:embed="rId3">
+            <a:extLst>
+              <a:ext uri="{28A0092B-C50C-407E-A947-70E740481C1C}">
+                <a14:useLocalDpi xmlns:a14="http://schemas.microsoft.com/office/drawing/2010/main" val="0"/>
+              </a:ext>
+            </a:extLst>
+          </a:blip>
+          <a:stretch>
+            <a:fillRect/>
+          </a:stretch>
+        </p:blipFill>
+        <p:spPr>
+          <a:xfrm>
+            <a:off x="8471424" y="1334193"/>
+            <a:ext cx="3333750" cy="2752725"/>
+          </a:xfrm>
+          <a:prstGeom prst="rect">
+            <a:avLst/>
+          </a:prstGeom>
+        </p:spPr>
+      </p:pic>
     </p:spTree>
     <p:extLst>
       <p:ext uri="{BB962C8B-B14F-4D97-AF65-F5344CB8AC3E}">
-        <p14:creationId xmlns:p14="http://schemas.microsoft.com/office/powerpoint/2010/main" val="929031715"/>
+        <p14:creationId xmlns:p14="http://schemas.microsoft.com/office/powerpoint/2010/main" val="824816709"/>
       </p:ext>
     </p:extLst>
   </p:cSld>
@@ -6742,10 +6778,46 @@
           </a:p>
         </p:txBody>
       </p:sp>
+      <p:pic>
+        <p:nvPicPr>
+          <p:cNvPr id="9" name="Imagen 8" descr="Imagen que contiene herramienta&#10;&#10;Descripción generada automáticamente">
+            <a:extLst>
+              <a:ext uri="{FF2B5EF4-FFF2-40B4-BE49-F238E27FC236}">
+                <a16:creationId xmlns:a16="http://schemas.microsoft.com/office/drawing/2014/main" id="{3EAC95F2-0593-4562-82E3-CDBBF7EB88BB}"/>
+              </a:ext>
+            </a:extLst>
+          </p:cNvPr>
+          <p:cNvPicPr>
+            <a:picLocks noChangeAspect="1"/>
+          </p:cNvPicPr>
+          <p:nvPr/>
+        </p:nvPicPr>
+        <p:blipFill>
+          <a:blip r:embed="rId2">
+            <a:extLst>
+              <a:ext uri="{28A0092B-C50C-407E-A947-70E740481C1C}">
+                <a14:useLocalDpi xmlns:a14="http://schemas.microsoft.com/office/drawing/2010/main" val="0"/>
+              </a:ext>
+            </a:extLst>
+          </a:blip>
+          <a:stretch>
+            <a:fillRect/>
+          </a:stretch>
+        </p:blipFill>
+        <p:spPr>
+          <a:xfrm>
+            <a:off x="8112233" y="1431577"/>
+            <a:ext cx="3333750" cy="2752725"/>
+          </a:xfrm>
+          <a:prstGeom prst="rect">
+            <a:avLst/>
+          </a:prstGeom>
+        </p:spPr>
+      </p:pic>
     </p:spTree>
     <p:extLst>
       <p:ext uri="{BB962C8B-B14F-4D97-AF65-F5344CB8AC3E}">
-        <p14:creationId xmlns:p14="http://schemas.microsoft.com/office/powerpoint/2010/main" val="2089556364"/>
+        <p14:creationId xmlns:p14="http://schemas.microsoft.com/office/powerpoint/2010/main" val="1300995696"/>
       </p:ext>
     </p:extLst>
   </p:cSld>
@@ -21613,8 +21685,8 @@
         </p:nvSpPr>
         <p:spPr>
           <a:xfrm>
-            <a:off x="2065493" y="1900905"/>
-            <a:ext cx="8227267" cy="3477875"/>
+            <a:off x="1559465" y="2397428"/>
+            <a:ext cx="8227267" cy="1631216"/>
           </a:xfrm>
           <a:prstGeom prst="rect">
             <a:avLst/>
@@ -21626,22 +21698,20 @@
           </a:bodyPr>
           <a:lstStyle/>
           <a:p>
+            <a:r>
+              <a:rPr lang="es-ES" sz="2000" u="sng" dirty="0"/>
+              <a:t>Niveles de gravedad de las vulnerabilidades:</a:t>
+            </a:r>
+          </a:p>
+          <a:p>
             <a:pPr marL="342900" indent="-342900">
               <a:buFont typeface="Arial" panose="020B0604020202020204" pitchFamily="34" charset="0"/>
               <a:buChar char="•"/>
             </a:pPr>
             <a:r>
-              <a:rPr lang="es-ES" sz="2000" u="sng" dirty="0"/>
-              <a:t>Gravedad baja:</a:t>
-            </a:r>
-            <a:r>
               <a:rPr lang="es-ES" sz="2000" dirty="0"/>
-              <a:t> Tienen un impacto mínimo y son fáciles de eliminar.</a:t>
-            </a:r>
-          </a:p>
-          <a:p>
-            <a:pPr lvl="1"/>
-            <a:endParaRPr lang="es-ES" sz="2000" dirty="0"/>
+              <a:t>Gravedad baja</a:t>
+            </a:r>
           </a:p>
           <a:p>
             <a:pPr marL="342900" indent="-342900">
@@ -21649,16 +21719,9 @@
               <a:buChar char="•"/>
             </a:pPr>
             <a:r>
-              <a:rPr lang="es-ES" sz="2000" u="sng" dirty="0"/>
-              <a:t>Gravedad media:</a:t>
-            </a:r>
-            <a:r>
               <a:rPr lang="es-ES" sz="2000" dirty="0"/>
-              <a:t> Son fáciles de eliminar, pero el no hacerlo tiene un impacto notable sobre el sistema.</a:t>
-            </a:r>
-          </a:p>
-          <a:p>
-            <a:endParaRPr lang="es-ES" sz="2000" dirty="0"/>
+              <a:t>Gravedad media</a:t>
+            </a:r>
           </a:p>
           <a:p>
             <a:pPr marL="342900" indent="-342900">
@@ -21666,17 +21729,9 @@
               <a:buChar char="•"/>
             </a:pPr>
             <a:r>
-              <a:rPr lang="es-ES" sz="2000" u="sng" dirty="0"/>
-              <a:t>Gravedad alta:</a:t>
-            </a:r>
-            <a:r>
               <a:rPr lang="es-ES" sz="2000" dirty="0"/>
-              <a:t> Al ser explotadas causan un daño rápido y de gran impacto sobre el sistema, que además no tiene una fácil solución.</a:t>
-            </a:r>
-          </a:p>
-          <a:p>
-            <a:pPr lvl="1"/>
-            <a:endParaRPr lang="es-ES" sz="2000" dirty="0"/>
+              <a:t>Gravedad alta</a:t>
+            </a:r>
           </a:p>
           <a:p>
             <a:pPr marL="342900" indent="-342900">
@@ -21684,20 +21739,52 @@
               <a:buChar char="•"/>
             </a:pPr>
             <a:r>
-              <a:rPr lang="es-ES" sz="2000" u="sng" dirty="0"/>
-              <a:t>Gravedad crítica:</a:t>
-            </a:r>
-            <a:r>
               <a:rPr lang="es-ES" sz="2000" dirty="0"/>
-              <a:t> La explotación de esta conlleva problemas no solo para el equipo a través del cual se explota, sino que se expande por la red al que esta conectado el mismo.</a:t>
-            </a:r>
-          </a:p>
-        </p:txBody>
-      </p:sp>
+              <a:t>Gravedad crítica</a:t>
+            </a:r>
+          </a:p>
+        </p:txBody>
+      </p:sp>
+      <p:pic>
+        <p:nvPicPr>
+          <p:cNvPr id="9" name="Imagen 8" descr="Imagen que contiene dibujo&#10;&#10;Descripción generada automáticamente">
+            <a:extLst>
+              <a:ext uri="{FF2B5EF4-FFF2-40B4-BE49-F238E27FC236}">
+                <a16:creationId xmlns:a16="http://schemas.microsoft.com/office/drawing/2014/main" id="{8C3ADE7D-778F-4AF7-AA04-F2838EA9321B}"/>
+              </a:ext>
+            </a:extLst>
+          </p:cNvPr>
+          <p:cNvPicPr>
+            <a:picLocks noChangeAspect="1"/>
+          </p:cNvPicPr>
+          <p:nvPr/>
+        </p:nvPicPr>
+        <p:blipFill>
+          <a:blip r:embed="rId2">
+            <a:extLst>
+              <a:ext uri="{28A0092B-C50C-407E-A947-70E740481C1C}">
+                <a14:useLocalDpi xmlns:a14="http://schemas.microsoft.com/office/drawing/2010/main" val="0"/>
+              </a:ext>
+            </a:extLst>
+          </a:blip>
+          <a:stretch>
+            <a:fillRect/>
+          </a:stretch>
+        </p:blipFill>
+        <p:spPr>
+          <a:xfrm>
+            <a:off x="6726619" y="1811045"/>
+            <a:ext cx="5008430" cy="3511118"/>
+          </a:xfrm>
+          <a:prstGeom prst="rect">
+            <a:avLst/>
+          </a:prstGeom>
+        </p:spPr>
+      </p:pic>
     </p:spTree>
     <p:extLst>
       <p:ext uri="{BB962C8B-B14F-4D97-AF65-F5344CB8AC3E}">
-        <p14:creationId xmlns:p14="http://schemas.microsoft.com/office/powerpoint/2010/main" val="699461296"/>
+        <p14:creationId xmlns:p14="http://schemas.microsoft.com/office/powerpoint/2010/main" val="184936300"/>
       </p:ext>
     </p:extLst>
   </p:cSld>
@@ -22968,8 +23055,8 @@
         </p:nvSpPr>
         <p:spPr>
           <a:xfrm>
-            <a:off x="1864311" y="1732661"/>
-            <a:ext cx="7226423" cy="4401205"/>
+            <a:off x="1322773" y="1578773"/>
+            <a:ext cx="5868139" cy="4708981"/>
           </a:xfrm>
           <a:prstGeom prst="rect">
             <a:avLst/>
@@ -23067,10 +23154,46 @@
           </a:p>
         </p:txBody>
       </p:sp>
+      <p:pic>
+        <p:nvPicPr>
+          <p:cNvPr id="13" name="Imagen 12">
+            <a:extLst>
+              <a:ext uri="{FF2B5EF4-FFF2-40B4-BE49-F238E27FC236}">
+                <a16:creationId xmlns:a16="http://schemas.microsoft.com/office/drawing/2014/main" id="{D746FB18-4430-4B3B-BDB8-526C119EDB47}"/>
+              </a:ext>
+            </a:extLst>
+          </p:cNvPr>
+          <p:cNvPicPr>
+            <a:picLocks noChangeAspect="1"/>
+          </p:cNvPicPr>
+          <p:nvPr/>
+        </p:nvPicPr>
+        <p:blipFill>
+          <a:blip r:embed="rId2">
+            <a:extLst>
+              <a:ext uri="{28A0092B-C50C-407E-A947-70E740481C1C}">
+                <a14:useLocalDpi xmlns:a14="http://schemas.microsoft.com/office/drawing/2010/main" val="0"/>
+              </a:ext>
+            </a:extLst>
+          </a:blip>
+          <a:stretch>
+            <a:fillRect/>
+          </a:stretch>
+        </p:blipFill>
+        <p:spPr>
+          <a:xfrm>
+            <a:off x="7501536" y="1358284"/>
+            <a:ext cx="4397680" cy="4336742"/>
+          </a:xfrm>
+          <a:prstGeom prst="rect">
+            <a:avLst/>
+          </a:prstGeom>
+        </p:spPr>
+      </p:pic>
     </p:spTree>
     <p:extLst>
       <p:ext uri="{BB962C8B-B14F-4D97-AF65-F5344CB8AC3E}">
-        <p14:creationId xmlns:p14="http://schemas.microsoft.com/office/powerpoint/2010/main" val="75022937"/>
+        <p14:creationId xmlns:p14="http://schemas.microsoft.com/office/powerpoint/2010/main" val="1835087826"/>
       </p:ext>
     </p:extLst>
   </p:cSld>

--- a/TF-E6/Presentacion/PresentaciónTFv5.pptx
+++ b/TF-E6/Presentacion/PresentaciónTFv5.pptx
@@ -35,6 +35,7 @@
     <p:sldId id="294" r:id="rId29"/>
     <p:sldId id="297" r:id="rId30"/>
     <p:sldId id="298" r:id="rId31"/>
+    <p:sldId id="306" r:id="rId32"/>
   </p:sldIdLst>
   <p:sldSz cx="12192000" cy="6858000"/>
   <p:notesSz cx="6858000" cy="9144000"/>
@@ -2503,7 +2504,7 @@
           <a:p>
             <a:fld id="{BD74F7B1-EB25-4A1D-B0FD-5D7E30F0F156}" type="datetimeFigureOut">
               <a:rPr lang="es-ES" smtClean="0"/>
-              <a:t>21/01/2021</a:t>
+              <a:t>22/01/2021</a:t>
             </a:fld>
             <a:endParaRPr lang="es-ES"/>
           </a:p>
@@ -2701,7 +2702,7 @@
           <a:p>
             <a:fld id="{BD74F7B1-EB25-4A1D-B0FD-5D7E30F0F156}" type="datetimeFigureOut">
               <a:rPr lang="es-ES" smtClean="0"/>
-              <a:t>21/01/2021</a:t>
+              <a:t>22/01/2021</a:t>
             </a:fld>
             <a:endParaRPr lang="es-ES"/>
           </a:p>
@@ -2909,7 +2910,7 @@
           <a:p>
             <a:fld id="{BD74F7B1-EB25-4A1D-B0FD-5D7E30F0F156}" type="datetimeFigureOut">
               <a:rPr lang="es-ES" smtClean="0"/>
-              <a:t>21/01/2021</a:t>
+              <a:t>22/01/2021</a:t>
             </a:fld>
             <a:endParaRPr lang="es-ES"/>
           </a:p>
@@ -3107,7 +3108,7 @@
           <a:p>
             <a:fld id="{BD74F7B1-EB25-4A1D-B0FD-5D7E30F0F156}" type="datetimeFigureOut">
               <a:rPr lang="es-ES" smtClean="0"/>
-              <a:t>21/01/2021</a:t>
+              <a:t>22/01/2021</a:t>
             </a:fld>
             <a:endParaRPr lang="es-ES"/>
           </a:p>
@@ -3382,7 +3383,7 @@
           <a:p>
             <a:fld id="{BD74F7B1-EB25-4A1D-B0FD-5D7E30F0F156}" type="datetimeFigureOut">
               <a:rPr lang="es-ES" smtClean="0"/>
-              <a:t>21/01/2021</a:t>
+              <a:t>22/01/2021</a:t>
             </a:fld>
             <a:endParaRPr lang="es-ES"/>
           </a:p>
@@ -3647,7 +3648,7 @@
           <a:p>
             <a:fld id="{BD74F7B1-EB25-4A1D-B0FD-5D7E30F0F156}" type="datetimeFigureOut">
               <a:rPr lang="es-ES" smtClean="0"/>
-              <a:t>21/01/2021</a:t>
+              <a:t>22/01/2021</a:t>
             </a:fld>
             <a:endParaRPr lang="es-ES"/>
           </a:p>
@@ -4059,7 +4060,7 @@
           <a:p>
             <a:fld id="{BD74F7B1-EB25-4A1D-B0FD-5D7E30F0F156}" type="datetimeFigureOut">
               <a:rPr lang="es-ES" smtClean="0"/>
-              <a:t>21/01/2021</a:t>
+              <a:t>22/01/2021</a:t>
             </a:fld>
             <a:endParaRPr lang="es-ES"/>
           </a:p>
@@ -4200,7 +4201,7 @@
           <a:p>
             <a:fld id="{BD74F7B1-EB25-4A1D-B0FD-5D7E30F0F156}" type="datetimeFigureOut">
               <a:rPr lang="es-ES" smtClean="0"/>
-              <a:t>21/01/2021</a:t>
+              <a:t>22/01/2021</a:t>
             </a:fld>
             <a:endParaRPr lang="es-ES"/>
           </a:p>
@@ -4313,7 +4314,7 @@
           <a:p>
             <a:fld id="{BD74F7B1-EB25-4A1D-B0FD-5D7E30F0F156}" type="datetimeFigureOut">
               <a:rPr lang="es-ES" smtClean="0"/>
-              <a:t>21/01/2021</a:t>
+              <a:t>22/01/2021</a:t>
             </a:fld>
             <a:endParaRPr lang="es-ES"/>
           </a:p>
@@ -4624,7 +4625,7 @@
           <a:p>
             <a:fld id="{BD74F7B1-EB25-4A1D-B0FD-5D7E30F0F156}" type="datetimeFigureOut">
               <a:rPr lang="es-ES" smtClean="0"/>
-              <a:t>21/01/2021</a:t>
+              <a:t>22/01/2021</a:t>
             </a:fld>
             <a:endParaRPr lang="es-ES"/>
           </a:p>
@@ -4912,7 +4913,7 @@
           <a:p>
             <a:fld id="{BD74F7B1-EB25-4A1D-B0FD-5D7E30F0F156}" type="datetimeFigureOut">
               <a:rPr lang="es-ES" smtClean="0"/>
-              <a:t>21/01/2021</a:t>
+              <a:t>22/01/2021</a:t>
             </a:fld>
             <a:endParaRPr lang="es-ES"/>
           </a:p>
@@ -5153,7 +5154,7 @@
           <a:p>
             <a:fld id="{BD74F7B1-EB25-4A1D-B0FD-5D7E30F0F156}" type="datetimeFigureOut">
               <a:rPr lang="es-ES" smtClean="0"/>
-              <a:t>21/01/2021</a:t>
+              <a:t>22/01/2021</a:t>
             </a:fld>
             <a:endParaRPr lang="es-ES"/>
           </a:p>
@@ -20200,6 +20201,434 @@
     <p:extLst>
       <p:ext uri="{BB962C8B-B14F-4D97-AF65-F5344CB8AC3E}">
         <p14:creationId xmlns:p14="http://schemas.microsoft.com/office/powerpoint/2010/main" val="1454775339"/>
+      </p:ext>
+    </p:extLst>
+  </p:cSld>
+  <p:clrMapOvr>
+    <a:masterClrMapping/>
+  </p:clrMapOvr>
+</p:sld>
+</file>
+
+<file path=ppt/slides/slide31.xml><?xml version="1.0" encoding="utf-8"?>
+<p:sld xmlns:a="http://schemas.openxmlformats.org/drawingml/2006/main" xmlns:r="http://schemas.openxmlformats.org/officeDocument/2006/relationships" xmlns:p="http://schemas.openxmlformats.org/presentationml/2006/main">
+  <p:cSld>
+    <p:spTree>
+      <p:nvGrpSpPr>
+        <p:cNvPr id="1" name=""/>
+        <p:cNvGrpSpPr/>
+        <p:nvPr/>
+      </p:nvGrpSpPr>
+      <p:grpSpPr>
+        <a:xfrm>
+          <a:off x="0" y="0"/>
+          <a:ext cx="0" cy="0"/>
+          <a:chOff x="0" y="0"/>
+          <a:chExt cx="0" cy="0"/>
+        </a:xfrm>
+      </p:grpSpPr>
+      <p:sp>
+        <p:nvSpPr>
+          <p:cNvPr id="2" name="Título 1">
+            <a:extLst>
+              <a:ext uri="{FF2B5EF4-FFF2-40B4-BE49-F238E27FC236}">
+                <a16:creationId xmlns:a16="http://schemas.microsoft.com/office/drawing/2014/main" id="{D6C7CB8E-A3DD-4DB8-876E-54A68CE5BD2D}"/>
+              </a:ext>
+            </a:extLst>
+          </p:cNvPr>
+          <p:cNvSpPr>
+            <a:spLocks noGrp="1"/>
+          </p:cNvSpPr>
+          <p:nvPr>
+            <p:ph type="ctrTitle"/>
+          </p:nvPr>
+        </p:nvSpPr>
+        <p:spPr>
+          <a:xfrm>
+            <a:off x="2523592" y="244056"/>
+            <a:ext cx="7446655" cy="1174729"/>
+          </a:xfrm>
+        </p:spPr>
+        <p:txBody>
+          <a:bodyPr>
+            <a:normAutofit/>
+          </a:bodyPr>
+          <a:lstStyle/>
+          <a:p>
+            <a:r>
+              <a:rPr lang="es-ES" sz="4000" b="1" dirty="0">
+                <a:solidFill>
+                  <a:schemeClr val="tx2">
+                    <a:lumMod val="60000"/>
+                    <a:lumOff val="40000"/>
+                  </a:schemeClr>
+                </a:solidFill>
+                <a:latin typeface="+mn-lt"/>
+              </a:rPr>
+              <a:t>Conclusiones</a:t>
+            </a:r>
+          </a:p>
+        </p:txBody>
+      </p:sp>
+      <p:sp>
+        <p:nvSpPr>
+          <p:cNvPr id="4" name="Rectángulo 3">
+            <a:extLst>
+              <a:ext uri="{FF2B5EF4-FFF2-40B4-BE49-F238E27FC236}">
+                <a16:creationId xmlns:a16="http://schemas.microsoft.com/office/drawing/2014/main" id="{25424FA0-048A-4FE1-B048-51AFC6603D29}"/>
+              </a:ext>
+            </a:extLst>
+          </p:cNvPr>
+          <p:cNvSpPr/>
+          <p:nvPr/>
+        </p:nvSpPr>
+        <p:spPr>
+          <a:xfrm>
+            <a:off x="0" y="6426072"/>
+            <a:ext cx="12192000" cy="431927"/>
+          </a:xfrm>
+          <a:prstGeom prst="rect">
+            <a:avLst/>
+          </a:prstGeom>
+          <a:solidFill>
+            <a:schemeClr val="tx2">
+              <a:lumMod val="60000"/>
+              <a:lumOff val="40000"/>
+            </a:schemeClr>
+          </a:solidFill>
+          <a:ln>
+            <a:solidFill>
+              <a:schemeClr val="tx2">
+                <a:lumMod val="60000"/>
+                <a:lumOff val="40000"/>
+              </a:schemeClr>
+            </a:solidFill>
+          </a:ln>
+        </p:spPr>
+        <p:style>
+          <a:lnRef idx="2">
+            <a:schemeClr val="accent1">
+              <a:shade val="50000"/>
+            </a:schemeClr>
+          </a:lnRef>
+          <a:fillRef idx="1">
+            <a:schemeClr val="accent1"/>
+          </a:fillRef>
+          <a:effectRef idx="0">
+            <a:schemeClr val="accent1"/>
+          </a:effectRef>
+          <a:fontRef idx="minor">
+            <a:schemeClr val="lt1"/>
+          </a:fontRef>
+        </p:style>
+        <p:txBody>
+          <a:bodyPr rtlCol="0" anchor="ctr"/>
+          <a:lstStyle/>
+          <a:p>
+            <a:pPr algn="ctr"/>
+            <a:endParaRPr lang="es-ES" dirty="0"/>
+          </a:p>
+        </p:txBody>
+      </p:sp>
+      <p:sp>
+        <p:nvSpPr>
+          <p:cNvPr id="5" name="CuadroTexto 4">
+            <a:extLst>
+              <a:ext uri="{FF2B5EF4-FFF2-40B4-BE49-F238E27FC236}">
+                <a16:creationId xmlns:a16="http://schemas.microsoft.com/office/drawing/2014/main" id="{46C38BF6-FBC0-4A38-8163-7304B76B470A}"/>
+              </a:ext>
+            </a:extLst>
+          </p:cNvPr>
+          <p:cNvSpPr txBox="1"/>
+          <p:nvPr/>
+        </p:nvSpPr>
+        <p:spPr>
+          <a:xfrm>
+            <a:off x="3246539" y="6426073"/>
+            <a:ext cx="5406352" cy="369332"/>
+          </a:xfrm>
+          <a:prstGeom prst="rect">
+            <a:avLst/>
+          </a:prstGeom>
+          <a:noFill/>
+        </p:spPr>
+        <p:txBody>
+          <a:bodyPr wrap="square" rtlCol="0">
+            <a:spAutoFit/>
+          </a:bodyPr>
+          <a:lstStyle/>
+          <a:p>
+            <a:r>
+              <a:rPr lang="en-US" i="1" dirty="0">
+                <a:solidFill>
+                  <a:schemeClr val="bg1">
+                    <a:lumMod val="95000"/>
+                  </a:schemeClr>
+                </a:solidFill>
+              </a:rPr>
+              <a:t>Ciberseguridad: </a:t>
+            </a:r>
+            <a:r>
+              <a:rPr lang="es-ES" i="1" dirty="0">
+                <a:solidFill>
+                  <a:schemeClr val="bg1">
+                    <a:lumMod val="95000"/>
+                  </a:schemeClr>
+                </a:solidFill>
+              </a:rPr>
+              <a:t>Amenazas</a:t>
+            </a:r>
+            <a:r>
+              <a:rPr lang="en-US" i="1" dirty="0">
+                <a:solidFill>
+                  <a:schemeClr val="bg1">
+                    <a:lumMod val="95000"/>
+                  </a:schemeClr>
+                </a:solidFill>
+              </a:rPr>
+              <a:t> y </a:t>
+            </a:r>
+            <a:r>
+              <a:rPr lang="es-ES" i="1" dirty="0">
+                <a:solidFill>
+                  <a:schemeClr val="bg1">
+                    <a:lumMod val="95000"/>
+                  </a:schemeClr>
+                </a:solidFill>
+              </a:rPr>
+              <a:t>vulnerabilidades</a:t>
+            </a:r>
+            <a:r>
+              <a:rPr lang="en-US" i="1" dirty="0">
+                <a:solidFill>
+                  <a:schemeClr val="bg1">
+                    <a:lumMod val="95000"/>
+                  </a:schemeClr>
+                </a:solidFill>
+              </a:rPr>
+              <a:t> en la web</a:t>
+            </a:r>
+            <a:endParaRPr lang="es-ES" i="1" dirty="0">
+              <a:solidFill>
+                <a:schemeClr val="bg1">
+                  <a:lumMod val="95000"/>
+                </a:schemeClr>
+              </a:solidFill>
+            </a:endParaRPr>
+          </a:p>
+        </p:txBody>
+      </p:sp>
+      <p:sp>
+        <p:nvSpPr>
+          <p:cNvPr id="6" name="Rectángulo 5">
+            <a:extLst>
+              <a:ext uri="{FF2B5EF4-FFF2-40B4-BE49-F238E27FC236}">
+                <a16:creationId xmlns:a16="http://schemas.microsoft.com/office/drawing/2014/main" id="{107C3917-2CBD-486D-9150-F115058F1B13}"/>
+              </a:ext>
+            </a:extLst>
+          </p:cNvPr>
+          <p:cNvSpPr/>
+          <p:nvPr/>
+        </p:nvSpPr>
+        <p:spPr>
+          <a:xfrm rot="16200000">
+            <a:off x="-3213036" y="3213035"/>
+            <a:ext cx="6857999" cy="431927"/>
+          </a:xfrm>
+          <a:prstGeom prst="rect">
+            <a:avLst/>
+          </a:prstGeom>
+          <a:solidFill>
+            <a:schemeClr val="tx2">
+              <a:lumMod val="60000"/>
+              <a:lumOff val="40000"/>
+            </a:schemeClr>
+          </a:solidFill>
+          <a:ln>
+            <a:solidFill>
+              <a:schemeClr val="tx2">
+                <a:lumMod val="60000"/>
+                <a:lumOff val="40000"/>
+              </a:schemeClr>
+            </a:solidFill>
+          </a:ln>
+        </p:spPr>
+        <p:style>
+          <a:lnRef idx="2">
+            <a:schemeClr val="accent1">
+              <a:shade val="50000"/>
+            </a:schemeClr>
+          </a:lnRef>
+          <a:fillRef idx="1">
+            <a:schemeClr val="accent1"/>
+          </a:fillRef>
+          <a:effectRef idx="0">
+            <a:schemeClr val="accent1"/>
+          </a:effectRef>
+          <a:fontRef idx="minor">
+            <a:schemeClr val="lt1"/>
+          </a:fontRef>
+        </p:style>
+        <p:txBody>
+          <a:bodyPr rtlCol="0" anchor="ctr"/>
+          <a:lstStyle/>
+          <a:p>
+            <a:pPr algn="ctr"/>
+            <a:endParaRPr lang="es-ES" dirty="0"/>
+          </a:p>
+        </p:txBody>
+      </p:sp>
+      <p:sp>
+        <p:nvSpPr>
+          <p:cNvPr id="7" name="CuadroTexto 6">
+            <a:extLst>
+              <a:ext uri="{FF2B5EF4-FFF2-40B4-BE49-F238E27FC236}">
+                <a16:creationId xmlns:a16="http://schemas.microsoft.com/office/drawing/2014/main" id="{0B45B5B2-3A3D-49D9-BB4A-96D840B9443D}"/>
+              </a:ext>
+            </a:extLst>
+          </p:cNvPr>
+          <p:cNvSpPr txBox="1"/>
+          <p:nvPr/>
+        </p:nvSpPr>
+        <p:spPr>
+          <a:xfrm rot="16200000">
+            <a:off x="-2047842" y="2753464"/>
+            <a:ext cx="4527611" cy="369332"/>
+          </a:xfrm>
+          <a:prstGeom prst="rect">
+            <a:avLst/>
+          </a:prstGeom>
+          <a:noFill/>
+        </p:spPr>
+        <p:txBody>
+          <a:bodyPr wrap="square" rtlCol="0">
+            <a:spAutoFit/>
+          </a:bodyPr>
+          <a:lstStyle/>
+          <a:p>
+            <a:r>
+              <a:rPr lang="es-ES" i="1" dirty="0">
+                <a:solidFill>
+                  <a:schemeClr val="bg1"/>
+                </a:solidFill>
+              </a:rPr>
+              <a:t>Tecnologías para la Sociedad Digital</a:t>
+            </a:r>
+          </a:p>
+        </p:txBody>
+      </p:sp>
+      <p:sp>
+        <p:nvSpPr>
+          <p:cNvPr id="3" name="Rectángulo 2">
+            <a:extLst>
+              <a:ext uri="{FF2B5EF4-FFF2-40B4-BE49-F238E27FC236}">
+                <a16:creationId xmlns:a16="http://schemas.microsoft.com/office/drawing/2014/main" id="{66152470-BDC6-4F5B-B4BD-A4616A417179}"/>
+              </a:ext>
+            </a:extLst>
+          </p:cNvPr>
+          <p:cNvSpPr/>
+          <p:nvPr/>
+        </p:nvSpPr>
+        <p:spPr>
+          <a:xfrm>
+            <a:off x="1289640" y="2346527"/>
+            <a:ext cx="6044351" cy="2554545"/>
+          </a:xfrm>
+          <a:prstGeom prst="rect">
+            <a:avLst/>
+          </a:prstGeom>
+        </p:spPr>
+        <p:txBody>
+          <a:bodyPr wrap="square">
+            <a:spAutoFit/>
+          </a:bodyPr>
+          <a:lstStyle/>
+          <a:p>
+            <a:pPr marL="457200" indent="-457200">
+              <a:buFont typeface="+mj-lt"/>
+              <a:buAutoNum type="arabicPeriod"/>
+            </a:pPr>
+            <a:r>
+              <a:rPr lang="en-US" sz="2000" dirty="0"/>
+              <a:t>Las vulnerabilidades son el punto de acceso de los ciberdelincuentes para extraer información.</a:t>
+            </a:r>
+          </a:p>
+          <a:p>
+            <a:pPr marL="457200" indent="-457200">
+              <a:buFont typeface="+mj-lt"/>
+              <a:buAutoNum type="arabicPeriod"/>
+            </a:pPr>
+            <a:r>
+              <a:rPr lang="en-US" sz="2000" dirty="0"/>
+              <a:t>Ciberseguridad aparece como respuesta a la ciberdelincuencia.</a:t>
+            </a:r>
+          </a:p>
+          <a:p>
+            <a:pPr marL="457200" indent="-457200">
+              <a:buFont typeface="+mj-lt"/>
+              <a:buAutoNum type="arabicPeriod"/>
+            </a:pPr>
+            <a:r>
+              <a:rPr lang="en-US" sz="2000" dirty="0"/>
+              <a:t>Identifica las vulnerabilidades de los sistemas de información.</a:t>
+            </a:r>
+          </a:p>
+          <a:p>
+            <a:pPr marL="457200" indent="-457200">
+              <a:buFont typeface="+mj-lt"/>
+              <a:buAutoNum type="arabicPeriod"/>
+            </a:pPr>
+            <a:r>
+              <a:rPr lang="en-US" sz="2000" dirty="0"/>
+              <a:t>Busca eliminar las vulnerabilidades identificadas mediante </a:t>
+            </a:r>
+            <a:r>
+              <a:rPr lang="es-ES" sz="2000" dirty="0"/>
+              <a:t>métodos software y hardware.</a:t>
+            </a:r>
+          </a:p>
+        </p:txBody>
+      </p:sp>
+      <p:pic>
+        <p:nvPicPr>
+          <p:cNvPr id="10" name="Imagen 9" descr="Diagrama&#10;&#10;Descripción generada automáticamente">
+            <a:extLst>
+              <a:ext uri="{FF2B5EF4-FFF2-40B4-BE49-F238E27FC236}">
+                <a16:creationId xmlns:a16="http://schemas.microsoft.com/office/drawing/2014/main" id="{7CB7EDA2-DE56-4391-9309-03F6AD4BC6DC}"/>
+              </a:ext>
+            </a:extLst>
+          </p:cNvPr>
+          <p:cNvPicPr>
+            <a:picLocks noChangeAspect="1"/>
+          </p:cNvPicPr>
+          <p:nvPr/>
+        </p:nvPicPr>
+        <p:blipFill>
+          <a:blip r:embed="rId2">
+            <a:extLst>
+              <a:ext uri="{28A0092B-C50C-407E-A947-70E740481C1C}">
+                <a14:useLocalDpi xmlns:a14="http://schemas.microsoft.com/office/drawing/2010/main" val="0"/>
+              </a:ext>
+            </a:extLst>
+          </a:blip>
+          <a:stretch>
+            <a:fillRect/>
+          </a:stretch>
+        </p:blipFill>
+        <p:spPr>
+          <a:xfrm>
+            <a:off x="7200826" y="2116433"/>
+            <a:ext cx="4818458" cy="3379178"/>
+          </a:xfrm>
+          <a:prstGeom prst="rect">
+            <a:avLst/>
+          </a:prstGeom>
+        </p:spPr>
+      </p:pic>
+    </p:spTree>
+    <p:extLst>
+      <p:ext uri="{BB962C8B-B14F-4D97-AF65-F5344CB8AC3E}">
+        <p14:creationId xmlns:p14="http://schemas.microsoft.com/office/powerpoint/2010/main" val="4217251629"/>
       </p:ext>
     </p:extLst>
   </p:cSld>
